--- a/Lectures/2_saga.pptx
+++ b/Lectures/2_saga.pptx
@@ -9,6 +9,11 @@
     <p:sldId id="257" r:id="rId3"/>
     <p:sldId id="259" r:id="rId4"/>
     <p:sldId id="258" r:id="rId5"/>
+    <p:sldId id="260" r:id="rId6"/>
+    <p:sldId id="261" r:id="rId7"/>
+    <p:sldId id="262" r:id="rId8"/>
+    <p:sldId id="264" r:id="rId9"/>
+    <p:sldId id="263" r:id="rId10"/>
   </p:sldIdLst>
   <p:sldSz cx="12192000" cy="6858000"/>
   <p:notesSz cx="6858000" cy="9144000"/>
@@ -262,7 +267,7 @@
           <a:p>
             <a:fld id="{6C987BB5-A241-EC44-AB10-AD15E24CCB19}" type="datetimeFigureOut">
               <a:rPr lang="en-GB" smtClean="0"/>
-              <a:t>28/04/2020</a:t>
+              <a:t>30/04/2020</a:t>
             </a:fld>
             <a:endParaRPr lang="en-GB"/>
           </a:p>
@@ -460,7 +465,7 @@
           <a:p>
             <a:fld id="{6C987BB5-A241-EC44-AB10-AD15E24CCB19}" type="datetimeFigureOut">
               <a:rPr lang="en-GB" smtClean="0"/>
-              <a:t>28/04/2020</a:t>
+              <a:t>30/04/2020</a:t>
             </a:fld>
             <a:endParaRPr lang="en-GB"/>
           </a:p>
@@ -668,7 +673,7 @@
           <a:p>
             <a:fld id="{6C987BB5-A241-EC44-AB10-AD15E24CCB19}" type="datetimeFigureOut">
               <a:rPr lang="en-GB" smtClean="0"/>
-              <a:t>28/04/2020</a:t>
+              <a:t>30/04/2020</a:t>
             </a:fld>
             <a:endParaRPr lang="en-GB"/>
           </a:p>
@@ -866,7 +871,7 @@
           <a:p>
             <a:fld id="{6C987BB5-A241-EC44-AB10-AD15E24CCB19}" type="datetimeFigureOut">
               <a:rPr lang="en-GB" smtClean="0"/>
-              <a:t>28/04/2020</a:t>
+              <a:t>30/04/2020</a:t>
             </a:fld>
             <a:endParaRPr lang="en-GB"/>
           </a:p>
@@ -1141,7 +1146,7 @@
           <a:p>
             <a:fld id="{6C987BB5-A241-EC44-AB10-AD15E24CCB19}" type="datetimeFigureOut">
               <a:rPr lang="en-GB" smtClean="0"/>
-              <a:t>28/04/2020</a:t>
+              <a:t>30/04/2020</a:t>
             </a:fld>
             <a:endParaRPr lang="en-GB"/>
           </a:p>
@@ -1406,7 +1411,7 @@
           <a:p>
             <a:fld id="{6C987BB5-A241-EC44-AB10-AD15E24CCB19}" type="datetimeFigureOut">
               <a:rPr lang="en-GB" smtClean="0"/>
-              <a:t>28/04/2020</a:t>
+              <a:t>30/04/2020</a:t>
             </a:fld>
             <a:endParaRPr lang="en-GB"/>
           </a:p>
@@ -1818,7 +1823,7 @@
           <a:p>
             <a:fld id="{6C987BB5-A241-EC44-AB10-AD15E24CCB19}" type="datetimeFigureOut">
               <a:rPr lang="en-GB" smtClean="0"/>
-              <a:t>28/04/2020</a:t>
+              <a:t>30/04/2020</a:t>
             </a:fld>
             <a:endParaRPr lang="en-GB"/>
           </a:p>
@@ -1959,7 +1964,7 @@
           <a:p>
             <a:fld id="{6C987BB5-A241-EC44-AB10-AD15E24CCB19}" type="datetimeFigureOut">
               <a:rPr lang="en-GB" smtClean="0"/>
-              <a:t>28/04/2020</a:t>
+              <a:t>30/04/2020</a:t>
             </a:fld>
             <a:endParaRPr lang="en-GB"/>
           </a:p>
@@ -2072,7 +2077,7 @@
           <a:p>
             <a:fld id="{6C987BB5-A241-EC44-AB10-AD15E24CCB19}" type="datetimeFigureOut">
               <a:rPr lang="en-GB" smtClean="0"/>
-              <a:t>28/04/2020</a:t>
+              <a:t>30/04/2020</a:t>
             </a:fld>
             <a:endParaRPr lang="en-GB"/>
           </a:p>
@@ -2383,7 +2388,7 @@
           <a:p>
             <a:fld id="{6C987BB5-A241-EC44-AB10-AD15E24CCB19}" type="datetimeFigureOut">
               <a:rPr lang="en-GB" smtClean="0"/>
-              <a:t>28/04/2020</a:t>
+              <a:t>30/04/2020</a:t>
             </a:fld>
             <a:endParaRPr lang="en-GB"/>
           </a:p>
@@ -2671,7 +2676,7 @@
           <a:p>
             <a:fld id="{6C987BB5-A241-EC44-AB10-AD15E24CCB19}" type="datetimeFigureOut">
               <a:rPr lang="en-GB" smtClean="0"/>
-              <a:t>28/04/2020</a:t>
+              <a:t>30/04/2020</a:t>
             </a:fld>
             <a:endParaRPr lang="en-GB"/>
           </a:p>
@@ -2912,7 +2917,7 @@
           <a:p>
             <a:fld id="{6C987BB5-A241-EC44-AB10-AD15E24CCB19}" type="datetimeFigureOut">
               <a:rPr lang="en-GB" smtClean="0"/>
-              <a:t>28/04/2020</a:t>
+              <a:t>30/04/2020</a:t>
             </a:fld>
             <a:endParaRPr lang="en-GB"/>
           </a:p>
@@ -3347,12 +3352,28 @@
         </p:nvSpPr>
         <p:spPr/>
         <p:txBody>
-          <a:bodyPr/>
+          <a:bodyPr>
+            <a:normAutofit fontScale="90000"/>
+          </a:bodyPr>
           <a:lstStyle/>
           <a:p>
             <a:r>
               <a:rPr lang="en-GB" b="1" u="sng" dirty="0"/>
-              <a:t>Part 2 - Saga</a:t>
+              <a:t>Part 2 - </a:t>
+            </a:r>
+            <a:br>
+              <a:rPr lang="en-GB" b="1" u="sng" dirty="0"/>
+            </a:br>
+            <a:r>
+              <a:rPr lang="en-GB" b="1" u="sng"/>
+              <a:t>Computer clusters &amp; </a:t>
+            </a:r>
+            <a:br>
+              <a:rPr lang="en-GB" b="1" u="sng" dirty="0"/>
+            </a:br>
+            <a:r>
+              <a:rPr lang="en-GB" b="1" u="sng" dirty="0"/>
+              <a:t>Saga</a:t>
             </a:r>
             <a:endParaRPr lang="en-GB" dirty="0"/>
           </a:p>
@@ -3811,15 +3832,7 @@
           <a:p>
             <a:r>
               <a:rPr lang="en-GB" dirty="0"/>
-              <a:t>A </a:t>
-            </a:r>
-            <a:r>
-              <a:rPr lang="en-GB" dirty="0" err="1"/>
-              <a:t>computin</a:t>
-            </a:r>
-            <a:r>
-              <a:rPr lang="en-GB" dirty="0"/>
-              <a:t> cluster with 9824 cores</a:t>
+              <a:t>A computing cluster with 9824 cores</a:t>
             </a:r>
           </a:p>
         </p:txBody>
@@ -5207,6 +5220,456 @@
     <p:extLst>
       <p:ext uri="{BB962C8B-B14F-4D97-AF65-F5344CB8AC3E}">
         <p14:creationId xmlns:p14="http://schemas.microsoft.com/office/powerpoint/2010/main" val="3028875994"/>
+      </p:ext>
+    </p:extLst>
+  </p:cSld>
+  <p:clrMapOvr>
+    <a:masterClrMapping/>
+  </p:clrMapOvr>
+</p:sld>
+</file>
+
+<file path=ppt/slides/slide5.xml><?xml version="1.0" encoding="utf-8"?>
+<p:sld xmlns:a="http://schemas.openxmlformats.org/drawingml/2006/main" xmlns:r="http://schemas.openxmlformats.org/officeDocument/2006/relationships" xmlns:p="http://schemas.openxmlformats.org/presentationml/2006/main">
+  <p:cSld>
+    <p:spTree>
+      <p:nvGrpSpPr>
+        <p:cNvPr id="1" name=""/>
+        <p:cNvGrpSpPr/>
+        <p:nvPr/>
+      </p:nvGrpSpPr>
+      <p:grpSpPr>
+        <a:xfrm>
+          <a:off x="0" y="0"/>
+          <a:ext cx="0" cy="0"/>
+          <a:chOff x="0" y="0"/>
+          <a:chExt cx="0" cy="0"/>
+        </a:xfrm>
+      </p:grpSpPr>
+      <p:sp>
+        <p:nvSpPr>
+          <p:cNvPr id="2" name="Title 1">
+            <a:extLst>
+              <a:ext uri="{FF2B5EF4-FFF2-40B4-BE49-F238E27FC236}">
+                <a16:creationId xmlns:a16="http://schemas.microsoft.com/office/drawing/2014/main" id="{058894CF-355C-1244-8D48-3CC333B9F58C}"/>
+              </a:ext>
+            </a:extLst>
+          </p:cNvPr>
+          <p:cNvSpPr>
+            <a:spLocks noGrp="1"/>
+          </p:cNvSpPr>
+          <p:nvPr>
+            <p:ph type="title"/>
+          </p:nvPr>
+        </p:nvSpPr>
+        <p:spPr/>
+        <p:txBody>
+          <a:bodyPr/>
+          <a:lstStyle/>
+          <a:p>
+            <a:endParaRPr lang="en-GB" dirty="0"/>
+          </a:p>
+        </p:txBody>
+      </p:sp>
+      <p:sp>
+        <p:nvSpPr>
+          <p:cNvPr id="3" name="Content Placeholder 2">
+            <a:extLst>
+              <a:ext uri="{FF2B5EF4-FFF2-40B4-BE49-F238E27FC236}">
+                <a16:creationId xmlns:a16="http://schemas.microsoft.com/office/drawing/2014/main" id="{27C90499-71E0-D649-B0BE-57D956AFE4CB}"/>
+              </a:ext>
+            </a:extLst>
+          </p:cNvPr>
+          <p:cNvSpPr>
+            <a:spLocks noGrp="1"/>
+          </p:cNvSpPr>
+          <p:nvPr>
+            <p:ph idx="1"/>
+          </p:nvPr>
+        </p:nvSpPr>
+        <p:spPr/>
+        <p:txBody>
+          <a:bodyPr/>
+          <a:lstStyle/>
+          <a:p>
+            <a:endParaRPr lang="en-GB"/>
+          </a:p>
+        </p:txBody>
+      </p:sp>
+    </p:spTree>
+    <p:extLst>
+      <p:ext uri="{BB962C8B-B14F-4D97-AF65-F5344CB8AC3E}">
+        <p14:creationId xmlns:p14="http://schemas.microsoft.com/office/powerpoint/2010/main" val="846952831"/>
+      </p:ext>
+    </p:extLst>
+  </p:cSld>
+  <p:clrMapOvr>
+    <a:masterClrMapping/>
+  </p:clrMapOvr>
+</p:sld>
+</file>
+
+<file path=ppt/slides/slide6.xml><?xml version="1.0" encoding="utf-8"?>
+<p:sld xmlns:a="http://schemas.openxmlformats.org/drawingml/2006/main" xmlns:r="http://schemas.openxmlformats.org/officeDocument/2006/relationships" xmlns:p="http://schemas.openxmlformats.org/presentationml/2006/main">
+  <p:cSld>
+    <p:spTree>
+      <p:nvGrpSpPr>
+        <p:cNvPr id="1" name=""/>
+        <p:cNvGrpSpPr/>
+        <p:nvPr/>
+      </p:nvGrpSpPr>
+      <p:grpSpPr>
+        <a:xfrm>
+          <a:off x="0" y="0"/>
+          <a:ext cx="0" cy="0"/>
+          <a:chOff x="0" y="0"/>
+          <a:chExt cx="0" cy="0"/>
+        </a:xfrm>
+      </p:grpSpPr>
+      <p:sp>
+        <p:nvSpPr>
+          <p:cNvPr id="2" name="Title 1">
+            <a:extLst>
+              <a:ext uri="{FF2B5EF4-FFF2-40B4-BE49-F238E27FC236}">
+                <a16:creationId xmlns:a16="http://schemas.microsoft.com/office/drawing/2014/main" id="{3FC551BB-BDCB-8A4B-8357-0BED39B1F8C2}"/>
+              </a:ext>
+            </a:extLst>
+          </p:cNvPr>
+          <p:cNvSpPr>
+            <a:spLocks noGrp="1"/>
+          </p:cNvSpPr>
+          <p:nvPr>
+            <p:ph type="title"/>
+          </p:nvPr>
+        </p:nvSpPr>
+        <p:spPr/>
+        <p:txBody>
+          <a:bodyPr/>
+          <a:lstStyle/>
+          <a:p>
+            <a:r>
+              <a:rPr lang="en-GB" dirty="0"/>
+              <a:t>How to log on to Saga</a:t>
+            </a:r>
+          </a:p>
+        </p:txBody>
+      </p:sp>
+      <p:sp>
+        <p:nvSpPr>
+          <p:cNvPr id="3" name="Content Placeholder 2">
+            <a:extLst>
+              <a:ext uri="{FF2B5EF4-FFF2-40B4-BE49-F238E27FC236}">
+                <a16:creationId xmlns:a16="http://schemas.microsoft.com/office/drawing/2014/main" id="{67440DB3-C5B5-B64F-B100-EF96E919CA9B}"/>
+              </a:ext>
+            </a:extLst>
+          </p:cNvPr>
+          <p:cNvSpPr>
+            <a:spLocks noGrp="1"/>
+          </p:cNvSpPr>
+          <p:nvPr>
+            <p:ph idx="1"/>
+          </p:nvPr>
+        </p:nvSpPr>
+        <p:spPr/>
+        <p:txBody>
+          <a:bodyPr/>
+          <a:lstStyle/>
+          <a:p>
+            <a:pPr marL="514350" indent="-514350">
+              <a:buAutoNum type="arabicParenR"/>
+            </a:pPr>
+            <a:r>
+              <a:rPr lang="en-GB" dirty="0"/>
+              <a:t>You will need a shell </a:t>
+            </a:r>
+          </a:p>
+          <a:p>
+            <a:pPr lvl="1"/>
+            <a:r>
+              <a:rPr lang="en-GB" dirty="0"/>
+              <a:t>Remember that the shell is a user interface that gives access to an operating system's service</a:t>
+            </a:r>
+          </a:p>
+        </p:txBody>
+      </p:sp>
+    </p:spTree>
+    <p:extLst>
+      <p:ext uri="{BB962C8B-B14F-4D97-AF65-F5344CB8AC3E}">
+        <p14:creationId xmlns:p14="http://schemas.microsoft.com/office/powerpoint/2010/main" val="2984336156"/>
+      </p:ext>
+    </p:extLst>
+  </p:cSld>
+  <p:clrMapOvr>
+    <a:masterClrMapping/>
+  </p:clrMapOvr>
+</p:sld>
+</file>
+
+<file path=ppt/slides/slide7.xml><?xml version="1.0" encoding="utf-8"?>
+<p:sld xmlns:a="http://schemas.openxmlformats.org/drawingml/2006/main" xmlns:r="http://schemas.openxmlformats.org/officeDocument/2006/relationships" xmlns:p="http://schemas.openxmlformats.org/presentationml/2006/main">
+  <p:cSld>
+    <p:spTree>
+      <p:nvGrpSpPr>
+        <p:cNvPr id="1" name=""/>
+        <p:cNvGrpSpPr/>
+        <p:nvPr/>
+      </p:nvGrpSpPr>
+      <p:grpSpPr>
+        <a:xfrm>
+          <a:off x="0" y="0"/>
+          <a:ext cx="0" cy="0"/>
+          <a:chOff x="0" y="0"/>
+          <a:chExt cx="0" cy="0"/>
+        </a:xfrm>
+      </p:grpSpPr>
+      <p:sp>
+        <p:nvSpPr>
+          <p:cNvPr id="2" name="Title 1">
+            <a:extLst>
+              <a:ext uri="{FF2B5EF4-FFF2-40B4-BE49-F238E27FC236}">
+                <a16:creationId xmlns:a16="http://schemas.microsoft.com/office/drawing/2014/main" id="{0AA93AC0-13B1-1E4F-9751-69EA67308C3F}"/>
+              </a:ext>
+            </a:extLst>
+          </p:cNvPr>
+          <p:cNvSpPr>
+            <a:spLocks noGrp="1"/>
+          </p:cNvSpPr>
+          <p:nvPr>
+            <p:ph type="title"/>
+          </p:nvPr>
+        </p:nvSpPr>
+        <p:spPr/>
+        <p:txBody>
+          <a:bodyPr/>
+          <a:lstStyle/>
+          <a:p>
+            <a:r>
+              <a:rPr lang="en-GB" dirty="0"/>
+              <a:t>Available programs</a:t>
+            </a:r>
+          </a:p>
+        </p:txBody>
+      </p:sp>
+      <p:sp>
+        <p:nvSpPr>
+          <p:cNvPr id="3" name="Content Placeholder 2">
+            <a:extLst>
+              <a:ext uri="{FF2B5EF4-FFF2-40B4-BE49-F238E27FC236}">
+                <a16:creationId xmlns:a16="http://schemas.microsoft.com/office/drawing/2014/main" id="{3FAEC626-CC1F-274D-845C-4A0074F9EDB3}"/>
+              </a:ext>
+            </a:extLst>
+          </p:cNvPr>
+          <p:cNvSpPr>
+            <a:spLocks noGrp="1"/>
+          </p:cNvSpPr>
+          <p:nvPr>
+            <p:ph idx="1"/>
+          </p:nvPr>
+        </p:nvSpPr>
+        <p:spPr/>
+        <p:txBody>
+          <a:bodyPr/>
+          <a:lstStyle/>
+          <a:p>
+            <a:r>
+              <a:rPr lang="en-GB" dirty="0"/>
+              <a:t>Saga has already many preinstalled programs. </a:t>
+            </a:r>
+          </a:p>
+          <a:p>
+            <a:r>
+              <a:rPr lang="en-GB" dirty="0"/>
+              <a:t>These can be loaded by the command </a:t>
+            </a:r>
+          </a:p>
+          <a:p>
+            <a:pPr lvl="1"/>
+            <a:r>
+              <a:rPr lang="en-GB" dirty="0"/>
+              <a:t>module load xxx </a:t>
+            </a:r>
+          </a:p>
+          <a:p>
+            <a:r>
+              <a:rPr lang="en-GB" dirty="0"/>
+              <a:t>Replacing the x’s with the module-name</a:t>
+            </a:r>
+          </a:p>
+          <a:p>
+            <a:pPr marL="0" indent="0">
+              <a:buNone/>
+            </a:pPr>
+            <a:endParaRPr lang="en-GB" dirty="0"/>
+          </a:p>
+        </p:txBody>
+      </p:sp>
+    </p:spTree>
+    <p:extLst>
+      <p:ext uri="{BB962C8B-B14F-4D97-AF65-F5344CB8AC3E}">
+        <p14:creationId xmlns:p14="http://schemas.microsoft.com/office/powerpoint/2010/main" val="1251326026"/>
+      </p:ext>
+    </p:extLst>
+  </p:cSld>
+  <p:clrMapOvr>
+    <a:masterClrMapping/>
+  </p:clrMapOvr>
+</p:sld>
+</file>
+
+<file path=ppt/slides/slide8.xml><?xml version="1.0" encoding="utf-8"?>
+<p:sld xmlns:a="http://schemas.openxmlformats.org/drawingml/2006/main" xmlns:r="http://schemas.openxmlformats.org/officeDocument/2006/relationships" xmlns:p="http://schemas.openxmlformats.org/presentationml/2006/main">
+  <p:cSld>
+    <p:spTree>
+      <p:nvGrpSpPr>
+        <p:cNvPr id="1" name=""/>
+        <p:cNvGrpSpPr/>
+        <p:nvPr/>
+      </p:nvGrpSpPr>
+      <p:grpSpPr>
+        <a:xfrm>
+          <a:off x="0" y="0"/>
+          <a:ext cx="0" cy="0"/>
+          <a:chOff x="0" y="0"/>
+          <a:chExt cx="0" cy="0"/>
+        </a:xfrm>
+      </p:grpSpPr>
+      <p:sp>
+        <p:nvSpPr>
+          <p:cNvPr id="2" name="Title 1">
+            <a:extLst>
+              <a:ext uri="{FF2B5EF4-FFF2-40B4-BE49-F238E27FC236}">
+                <a16:creationId xmlns:a16="http://schemas.microsoft.com/office/drawing/2014/main" id="{6B235802-7AF5-0C4B-B2DD-252D0CD7EAD9}"/>
+              </a:ext>
+            </a:extLst>
+          </p:cNvPr>
+          <p:cNvSpPr>
+            <a:spLocks noGrp="1"/>
+          </p:cNvSpPr>
+          <p:nvPr>
+            <p:ph type="title"/>
+          </p:nvPr>
+        </p:nvSpPr>
+        <p:spPr/>
+        <p:txBody>
+          <a:bodyPr/>
+          <a:lstStyle/>
+          <a:p>
+            <a:endParaRPr lang="en-GB"/>
+          </a:p>
+        </p:txBody>
+      </p:sp>
+      <p:sp>
+        <p:nvSpPr>
+          <p:cNvPr id="3" name="Content Placeholder 2">
+            <a:extLst>
+              <a:ext uri="{FF2B5EF4-FFF2-40B4-BE49-F238E27FC236}">
+                <a16:creationId xmlns:a16="http://schemas.microsoft.com/office/drawing/2014/main" id="{083A2A03-F4D7-D44F-B276-61C8B469E167}"/>
+              </a:ext>
+            </a:extLst>
+          </p:cNvPr>
+          <p:cNvSpPr>
+            <a:spLocks noGrp="1"/>
+          </p:cNvSpPr>
+          <p:nvPr>
+            <p:ph idx="1"/>
+          </p:nvPr>
+        </p:nvSpPr>
+        <p:spPr/>
+        <p:txBody>
+          <a:bodyPr/>
+          <a:lstStyle/>
+          <a:p>
+            <a:endParaRPr lang="en-GB"/>
+          </a:p>
+        </p:txBody>
+      </p:sp>
+    </p:spTree>
+    <p:extLst>
+      <p:ext uri="{BB962C8B-B14F-4D97-AF65-F5344CB8AC3E}">
+        <p14:creationId xmlns:p14="http://schemas.microsoft.com/office/powerpoint/2010/main" val="3105022614"/>
+      </p:ext>
+    </p:extLst>
+  </p:cSld>
+  <p:clrMapOvr>
+    <a:masterClrMapping/>
+  </p:clrMapOvr>
+</p:sld>
+</file>
+
+<file path=ppt/slides/slide9.xml><?xml version="1.0" encoding="utf-8"?>
+<p:sld xmlns:a="http://schemas.openxmlformats.org/drawingml/2006/main" xmlns:r="http://schemas.openxmlformats.org/officeDocument/2006/relationships" xmlns:p="http://schemas.openxmlformats.org/presentationml/2006/main">
+  <p:cSld>
+    <p:spTree>
+      <p:nvGrpSpPr>
+        <p:cNvPr id="1" name=""/>
+        <p:cNvGrpSpPr/>
+        <p:nvPr/>
+      </p:nvGrpSpPr>
+      <p:grpSpPr>
+        <a:xfrm>
+          <a:off x="0" y="0"/>
+          <a:ext cx="0" cy="0"/>
+          <a:chOff x="0" y="0"/>
+          <a:chExt cx="0" cy="0"/>
+        </a:xfrm>
+      </p:grpSpPr>
+      <p:sp>
+        <p:nvSpPr>
+          <p:cNvPr id="2" name="Title 1">
+            <a:extLst>
+              <a:ext uri="{FF2B5EF4-FFF2-40B4-BE49-F238E27FC236}">
+                <a16:creationId xmlns:a16="http://schemas.microsoft.com/office/drawing/2014/main" id="{11C5D381-F041-C34F-B49F-6BF71305683B}"/>
+              </a:ext>
+            </a:extLst>
+          </p:cNvPr>
+          <p:cNvSpPr>
+            <a:spLocks noGrp="1"/>
+          </p:cNvSpPr>
+          <p:nvPr>
+            <p:ph type="title"/>
+          </p:nvPr>
+        </p:nvSpPr>
+        <p:spPr/>
+        <p:txBody>
+          <a:bodyPr/>
+          <a:lstStyle/>
+          <a:p>
+            <a:r>
+              <a:rPr lang="en-GB" dirty="0"/>
+              <a:t>Installing programs</a:t>
+            </a:r>
+          </a:p>
+        </p:txBody>
+      </p:sp>
+      <p:sp>
+        <p:nvSpPr>
+          <p:cNvPr id="3" name="Content Placeholder 2">
+            <a:extLst>
+              <a:ext uri="{FF2B5EF4-FFF2-40B4-BE49-F238E27FC236}">
+                <a16:creationId xmlns:a16="http://schemas.microsoft.com/office/drawing/2014/main" id="{86A78978-D8DE-B644-ADEA-0B4E7B4F30D6}"/>
+              </a:ext>
+            </a:extLst>
+          </p:cNvPr>
+          <p:cNvSpPr>
+            <a:spLocks noGrp="1"/>
+          </p:cNvSpPr>
+          <p:nvPr>
+            <p:ph idx="1"/>
+          </p:nvPr>
+        </p:nvSpPr>
+        <p:spPr/>
+        <p:txBody>
+          <a:bodyPr/>
+          <a:lstStyle/>
+          <a:p>
+            <a:endParaRPr lang="en-GB"/>
+          </a:p>
+        </p:txBody>
+      </p:sp>
+    </p:spTree>
+    <p:extLst>
+      <p:ext uri="{BB962C8B-B14F-4D97-AF65-F5344CB8AC3E}">
+        <p14:creationId xmlns:p14="http://schemas.microsoft.com/office/powerpoint/2010/main" val="1162164371"/>
       </p:ext>
     </p:extLst>
   </p:cSld>
